--- a/Course Content/Responsible Teaming.pptx
+++ b/Course Content/Responsible Teaming.pptx
@@ -118,6 +118,38 @@
 <file path=ppt/changesInfos/changesInfo1.xml><?xml version="1.0" encoding="utf-8"?>
 <pc:chgInfo xmlns:a="http://schemas.openxmlformats.org/drawingml/2006/main" xmlns:r="http://schemas.openxmlformats.org/officeDocument/2006/relationships" xmlns:ac="http://schemas.microsoft.com/office/drawing/2013/main/command" xmlns:pc="http://schemas.microsoft.com/office/powerpoint/2013/main/command">
   <pc:docChgLst>
+    <pc:chgData name="Martin Schray" userId="bf4f4853c980e97a" providerId="LiveId" clId="{788F6A33-AFA1-439F-A867-49473C4F495E}"/>
+    <pc:docChg chg="custSel modSld">
+      <pc:chgData name="Martin Schray" userId="bf4f4853c980e97a" providerId="LiveId" clId="{788F6A33-AFA1-439F-A867-49473C4F495E}" dt="2022-09-06T22:58:39.439" v="47" actId="27636"/>
+      <pc:docMkLst>
+        <pc:docMk/>
+      </pc:docMkLst>
+      <pc:sldChg chg="modSp mod">
+        <pc:chgData name="Martin Schray" userId="bf4f4853c980e97a" providerId="LiveId" clId="{788F6A33-AFA1-439F-A867-49473C4F495E}" dt="2022-09-06T22:58:39.439" v="47" actId="27636"/>
+        <pc:sldMkLst>
+          <pc:docMk/>
+          <pc:sldMk cId="2038080720" sldId="258"/>
+        </pc:sldMkLst>
+        <pc:spChg chg="mod">
+          <ac:chgData name="Martin Schray" userId="bf4f4853c980e97a" providerId="LiveId" clId="{788F6A33-AFA1-439F-A867-49473C4F495E}" dt="2022-09-06T22:58:10.282" v="36" actId="20577"/>
+          <ac:spMkLst>
+            <pc:docMk/>
+            <pc:sldMk cId="2038080720" sldId="258"/>
+            <ac:spMk id="2" creationId="{66BA0165-C762-4E8F-BEC4-508AFBACDD9B}"/>
+          </ac:spMkLst>
+        </pc:spChg>
+        <pc:spChg chg="mod">
+          <ac:chgData name="Martin Schray" userId="bf4f4853c980e97a" providerId="LiveId" clId="{788F6A33-AFA1-439F-A867-49473C4F495E}" dt="2022-09-06T22:58:39.439" v="47" actId="27636"/>
+          <ac:spMkLst>
+            <pc:docMk/>
+            <pc:sldMk cId="2038080720" sldId="258"/>
+            <ac:spMk id="3" creationId="{7B51C44E-99D8-46B9-8CB9-0A8F19D079C0}"/>
+          </ac:spMkLst>
+        </pc:spChg>
+      </pc:sldChg>
+    </pc:docChg>
+  </pc:docChgLst>
+  <pc:docChgLst>
     <pc:chgData name="Martin Schray" userId="bf4f4853c980e97a" providerId="LiveId" clId="{4B7E77A5-6AF3-4B4B-9D70-B1C47A3A59C4}"/>
     <pc:docChg chg="custSel modSld">
       <pc:chgData name="Martin Schray" userId="bf4f4853c980e97a" providerId="LiveId" clId="{4B7E77A5-6AF3-4B4B-9D70-B1C47A3A59C4}" dt="2021-09-07T22:38:49.321" v="51" actId="20577"/>
@@ -321,7 +353,7 @@
           <a:p>
             <a:fld id="{DDC3AEA8-1E4B-44C9-821D-F90D2793A4A0}" type="datetimeFigureOut">
               <a:rPr lang="en-US" smtClean="0"/>
-              <a:t>9/7/2021</a:t>
+              <a:t>9/6/2022</a:t>
             </a:fld>
             <a:endParaRPr lang="en-US"/>
           </a:p>
@@ -519,7 +551,7 @@
           <a:p>
             <a:fld id="{DDC3AEA8-1E4B-44C9-821D-F90D2793A4A0}" type="datetimeFigureOut">
               <a:rPr lang="en-US" smtClean="0"/>
-              <a:t>9/7/2021</a:t>
+              <a:t>9/6/2022</a:t>
             </a:fld>
             <a:endParaRPr lang="en-US"/>
           </a:p>
@@ -727,7 +759,7 @@
           <a:p>
             <a:fld id="{DDC3AEA8-1E4B-44C9-821D-F90D2793A4A0}" type="datetimeFigureOut">
               <a:rPr lang="en-US" smtClean="0"/>
-              <a:t>9/7/2021</a:t>
+              <a:t>9/6/2022</a:t>
             </a:fld>
             <a:endParaRPr lang="en-US"/>
           </a:p>
@@ -925,7 +957,7 @@
           <a:p>
             <a:fld id="{DDC3AEA8-1E4B-44C9-821D-F90D2793A4A0}" type="datetimeFigureOut">
               <a:rPr lang="en-US" smtClean="0"/>
-              <a:t>9/7/2021</a:t>
+              <a:t>9/6/2022</a:t>
             </a:fld>
             <a:endParaRPr lang="en-US"/>
           </a:p>
@@ -1200,7 +1232,7 @@
           <a:p>
             <a:fld id="{DDC3AEA8-1E4B-44C9-821D-F90D2793A4A0}" type="datetimeFigureOut">
               <a:rPr lang="en-US" smtClean="0"/>
-              <a:t>9/7/2021</a:t>
+              <a:t>9/6/2022</a:t>
             </a:fld>
             <a:endParaRPr lang="en-US"/>
           </a:p>
@@ -1465,7 +1497,7 @@
           <a:p>
             <a:fld id="{DDC3AEA8-1E4B-44C9-821D-F90D2793A4A0}" type="datetimeFigureOut">
               <a:rPr lang="en-US" smtClean="0"/>
-              <a:t>9/7/2021</a:t>
+              <a:t>9/6/2022</a:t>
             </a:fld>
             <a:endParaRPr lang="en-US"/>
           </a:p>
@@ -1877,7 +1909,7 @@
           <a:p>
             <a:fld id="{DDC3AEA8-1E4B-44C9-821D-F90D2793A4A0}" type="datetimeFigureOut">
               <a:rPr lang="en-US" smtClean="0"/>
-              <a:t>9/7/2021</a:t>
+              <a:t>9/6/2022</a:t>
             </a:fld>
             <a:endParaRPr lang="en-US"/>
           </a:p>
@@ -2018,7 +2050,7 @@
           <a:p>
             <a:fld id="{DDC3AEA8-1E4B-44C9-821D-F90D2793A4A0}" type="datetimeFigureOut">
               <a:rPr lang="en-US" smtClean="0"/>
-              <a:t>9/7/2021</a:t>
+              <a:t>9/6/2022</a:t>
             </a:fld>
             <a:endParaRPr lang="en-US"/>
           </a:p>
@@ -2131,7 +2163,7 @@
           <a:p>
             <a:fld id="{DDC3AEA8-1E4B-44C9-821D-F90D2793A4A0}" type="datetimeFigureOut">
               <a:rPr lang="en-US" smtClean="0"/>
-              <a:t>9/7/2021</a:t>
+              <a:t>9/6/2022</a:t>
             </a:fld>
             <a:endParaRPr lang="en-US"/>
           </a:p>
@@ -2442,7 +2474,7 @@
           <a:p>
             <a:fld id="{DDC3AEA8-1E4B-44C9-821D-F90D2793A4A0}" type="datetimeFigureOut">
               <a:rPr lang="en-US" smtClean="0"/>
-              <a:t>9/7/2021</a:t>
+              <a:t>9/6/2022</a:t>
             </a:fld>
             <a:endParaRPr lang="en-US"/>
           </a:p>
@@ -2730,7 +2762,7 @@
           <a:p>
             <a:fld id="{DDC3AEA8-1E4B-44C9-821D-F90D2793A4A0}" type="datetimeFigureOut">
               <a:rPr lang="en-US" smtClean="0"/>
-              <a:t>9/7/2021</a:t>
+              <a:t>9/6/2022</a:t>
             </a:fld>
             <a:endParaRPr lang="en-US"/>
           </a:p>
@@ -2971,7 +3003,7 @@
           <a:p>
             <a:fld id="{DDC3AEA8-1E4B-44C9-821D-F90D2793A4A0}" type="datetimeFigureOut">
               <a:rPr lang="en-US" smtClean="0"/>
-              <a:t>9/7/2021</a:t>
+              <a:t>9/6/2022</a:t>
             </a:fld>
             <a:endParaRPr lang="en-US"/>
           </a:p>
@@ -3722,13 +3754,8 @@
           <a:p>
             <a:r>
               <a:rPr lang="en-US" dirty="0"/>
-              <a:t>Team </a:t>
-            </a:r>
-            <a:r>
-              <a:rPr lang="en-US"/>
-              <a:t>Working Agreement Pet4All</a:t>
-            </a:r>
-            <a:endParaRPr lang="en-US" dirty="0"/>
+              <a:t>Team Working Part of Product Description Doc (PDD)</a:t>
+            </a:r>
           </a:p>
         </p:txBody>
       </p:sp>
@@ -3764,7 +3791,17 @@
                   <a:srgbClr val="666666"/>
                 </a:solidFill>
               </a:rPr>
-              <a:t>PET4ALL</a:t>
+              <a:t>PET4ALL - </a:t>
+            </a:r>
+            <a:r>
+              <a:rPr lang="en-US" b="1" i="0">
+                <a:solidFill>
+                  <a:srgbClr val="C9D1D9"/>
+                </a:solidFill>
+                <a:effectLst/>
+                <a:latin typeface="-apple-system"/>
+              </a:rPr>
+              <a:t>Requested Approach/Behavior</a:t>
             </a:r>
           </a:p>
           <a:p>
@@ -3786,6 +3823,18 @@
               <a:buAutoNum type="arabicPeriod"/>
             </a:pPr>
             <a:r>
+              <a:rPr lang="en-US" sz="2800">
+                <a:solidFill>
+                  <a:srgbClr val="222222"/>
+                </a:solidFill>
+                <a:latin typeface="Calibri"/>
+                <a:ea typeface="Calibri"/>
+                <a:cs typeface="Calibri"/>
+                <a:sym typeface="Calibri"/>
+              </a:rPr>
+              <a:t>Only </a:t>
+            </a:r>
+            <a:r>
               <a:rPr lang="en-US" sz="2800" dirty="0">
                 <a:solidFill>
                   <a:srgbClr val="222222"/>
@@ -3795,7 +3844,7 @@
                 <a:cs typeface="Calibri"/>
                 <a:sym typeface="Calibri"/>
               </a:rPr>
-              <a:t>Only one person talks at a time and we listen</a:t>
+              <a:t>one person talks at a time and we listen</a:t>
             </a:r>
           </a:p>
           <a:p>
